--- a/029_01_DepFirstTraverse_CPP.pptx
+++ b/029_01_DepFirstTraverse_CPP.pptx
@@ -7360,7 +7360,7 @@
           <p:nvPr>
             <p:extLst>
               <p:ext uri="{D42A27DB-BD31-4B8C-83A1-F6EECF244321}">
-                <p14:modId xmlns:p14="http://schemas.microsoft.com/office/powerpoint/2010/main" val="1251372523"/>
+                <p14:modId xmlns:p14="http://schemas.microsoft.com/office/powerpoint/2010/main" val="3527236421"/>
               </p:ext>
             </p:extLst>
           </p:nvPr>
@@ -7581,7 +7581,7 @@
                         <a:rPr lang="en-US" dirty="0">
                           <a:effectLst/>
                         </a:rPr>
-                        <a:t>. We have three nodes and we can pick any of them. For this example, we shall take the node in an alphabetical order.</a:t>
+                        <a:t>. We have three nodes, and we can pick any of them. For this example, we shall take the node in an alphabetical order.</a:t>
                       </a:r>
                     </a:p>
                   </a:txBody>
